--- a/events/2020/09/intro.pptx
+++ b/events/2020/09/intro.pptx
@@ -2350,6 +2350,18 @@
   <p:clrMapOvr>
     <a:masterClrMapping/>
   </p:clrMapOvr>
+  <mc:AlternateContent xmlns:mc="http://schemas.openxmlformats.org/markup-compatibility/2006">
+    <mc:Choice xmlns:p14="http://schemas.microsoft.com/office/powerpoint/2010/main" Requires="p14">
+      <p:transition spd="med" p14:dur="700">
+        <p:fade/>
+      </p:transition>
+    </mc:Choice>
+    <mc:Fallback>
+      <p:transition spd="med">
+        <p:fade/>
+      </p:transition>
+    </mc:Fallback>
+  </mc:AlternateContent>
 </p:sld>
 </file>
 
@@ -2814,6 +2826,320 @@
   <p:clrMapOvr>
     <a:masterClrMapping/>
   </p:clrMapOvr>
+  <mc:AlternateContent xmlns:mc="http://schemas.openxmlformats.org/markup-compatibility/2006">
+    <mc:Choice xmlns:p14="http://schemas.microsoft.com/office/powerpoint/2010/main" Requires="p14">
+      <p:transition spd="med" p14:dur="700">
+        <p:fade/>
+      </p:transition>
+    </mc:Choice>
+    <mc:Fallback>
+      <p:transition spd="med">
+        <p:fade/>
+      </p:transition>
+    </mc:Fallback>
+  </mc:AlternateContent>
+  <p:timing>
+    <p:tnLst>
+      <p:par>
+        <p:cTn id="1" dur="indefinite" restart="never" nodeType="tmRoot">
+          <p:childTnLst>
+            <p:seq concurrent="1" nextAc="seek">
+              <p:cTn id="2" dur="indefinite" nodeType="mainSeq">
+                <p:childTnLst>
+                  <p:par>
+                    <p:cTn id="3" fill="hold">
+                      <p:stCondLst>
+                        <p:cond delay="indefinite"/>
+                      </p:stCondLst>
+                      <p:childTnLst>
+                        <p:par>
+                          <p:cTn id="4" fill="hold">
+                            <p:stCondLst>
+                              <p:cond delay="0"/>
+                            </p:stCondLst>
+                            <p:childTnLst>
+                              <p:par>
+                                <p:cTn id="5" presetID="10" presetClass="entr" presetSubtype="0" fill="hold" grpId="0" nodeType="clickEffect">
+                                  <p:stCondLst>
+                                    <p:cond delay="0"/>
+                                  </p:stCondLst>
+                                  <p:childTnLst>
+                                    <p:set>
+                                      <p:cBhvr>
+                                        <p:cTn id="6" dur="1" fill="hold">
+                                          <p:stCondLst>
+                                            <p:cond delay="0"/>
+                                          </p:stCondLst>
+                                        </p:cTn>
+                                        <p:tgtEl>
+                                          <p:spTgt spid="5"/>
+                                        </p:tgtEl>
+                                        <p:attrNameLst>
+                                          <p:attrName>style.visibility</p:attrName>
+                                        </p:attrNameLst>
+                                      </p:cBhvr>
+                                      <p:to>
+                                        <p:strVal val="visible"/>
+                                      </p:to>
+                                    </p:set>
+                                    <p:animEffect transition="in" filter="fade">
+                                      <p:cBhvr>
+                                        <p:cTn id="7" dur="500"/>
+                                        <p:tgtEl>
+                                          <p:spTgt spid="5"/>
+                                        </p:tgtEl>
+                                      </p:cBhvr>
+                                    </p:animEffect>
+                                  </p:childTnLst>
+                                </p:cTn>
+                              </p:par>
+                            </p:childTnLst>
+                          </p:cTn>
+                        </p:par>
+                      </p:childTnLst>
+                    </p:cTn>
+                  </p:par>
+                  <p:par>
+                    <p:cTn id="8" fill="hold">
+                      <p:stCondLst>
+                        <p:cond delay="indefinite"/>
+                      </p:stCondLst>
+                      <p:childTnLst>
+                        <p:par>
+                          <p:cTn id="9" fill="hold">
+                            <p:stCondLst>
+                              <p:cond delay="0"/>
+                            </p:stCondLst>
+                            <p:childTnLst>
+                              <p:par>
+                                <p:cTn id="10" presetID="10" presetClass="entr" presetSubtype="0" fill="hold" grpId="0" nodeType="clickEffect">
+                                  <p:stCondLst>
+                                    <p:cond delay="0"/>
+                                  </p:stCondLst>
+                                  <p:childTnLst>
+                                    <p:set>
+                                      <p:cBhvr>
+                                        <p:cTn id="11" dur="1" fill="hold">
+                                          <p:stCondLst>
+                                            <p:cond delay="0"/>
+                                          </p:stCondLst>
+                                        </p:cTn>
+                                        <p:tgtEl>
+                                          <p:spTgt spid="6"/>
+                                        </p:tgtEl>
+                                        <p:attrNameLst>
+                                          <p:attrName>style.visibility</p:attrName>
+                                        </p:attrNameLst>
+                                      </p:cBhvr>
+                                      <p:to>
+                                        <p:strVal val="visible"/>
+                                      </p:to>
+                                    </p:set>
+                                    <p:animEffect transition="in" filter="fade">
+                                      <p:cBhvr>
+                                        <p:cTn id="12" dur="500"/>
+                                        <p:tgtEl>
+                                          <p:spTgt spid="6"/>
+                                        </p:tgtEl>
+                                      </p:cBhvr>
+                                    </p:animEffect>
+                                  </p:childTnLst>
+                                </p:cTn>
+                              </p:par>
+                            </p:childTnLst>
+                          </p:cTn>
+                        </p:par>
+                      </p:childTnLst>
+                    </p:cTn>
+                  </p:par>
+                  <p:par>
+                    <p:cTn id="13" fill="hold">
+                      <p:stCondLst>
+                        <p:cond delay="indefinite"/>
+                      </p:stCondLst>
+                      <p:childTnLst>
+                        <p:par>
+                          <p:cTn id="14" fill="hold">
+                            <p:stCondLst>
+                              <p:cond delay="0"/>
+                            </p:stCondLst>
+                            <p:childTnLst>
+                              <p:par>
+                                <p:cTn id="15" presetID="10" presetClass="entr" presetSubtype="0" fill="hold" grpId="0" nodeType="clickEffect">
+                                  <p:stCondLst>
+                                    <p:cond delay="0"/>
+                                  </p:stCondLst>
+                                  <p:childTnLst>
+                                    <p:set>
+                                      <p:cBhvr>
+                                        <p:cTn id="16" dur="1" fill="hold">
+                                          <p:stCondLst>
+                                            <p:cond delay="0"/>
+                                          </p:stCondLst>
+                                        </p:cTn>
+                                        <p:tgtEl>
+                                          <p:spTgt spid="7"/>
+                                        </p:tgtEl>
+                                        <p:attrNameLst>
+                                          <p:attrName>style.visibility</p:attrName>
+                                        </p:attrNameLst>
+                                      </p:cBhvr>
+                                      <p:to>
+                                        <p:strVal val="visible"/>
+                                      </p:to>
+                                    </p:set>
+                                    <p:animEffect transition="in" filter="fade">
+                                      <p:cBhvr>
+                                        <p:cTn id="17" dur="500"/>
+                                        <p:tgtEl>
+                                          <p:spTgt spid="7"/>
+                                        </p:tgtEl>
+                                      </p:cBhvr>
+                                    </p:animEffect>
+                                  </p:childTnLst>
+                                </p:cTn>
+                              </p:par>
+                            </p:childTnLst>
+                          </p:cTn>
+                        </p:par>
+                      </p:childTnLst>
+                    </p:cTn>
+                  </p:par>
+                  <p:par>
+                    <p:cTn id="18" fill="hold">
+                      <p:stCondLst>
+                        <p:cond delay="indefinite"/>
+                      </p:stCondLst>
+                      <p:childTnLst>
+                        <p:par>
+                          <p:cTn id="19" fill="hold">
+                            <p:stCondLst>
+                              <p:cond delay="0"/>
+                            </p:stCondLst>
+                            <p:childTnLst>
+                              <p:par>
+                                <p:cTn id="20" presetID="10" presetClass="entr" presetSubtype="0" fill="hold" grpId="0" nodeType="clickEffect">
+                                  <p:stCondLst>
+                                    <p:cond delay="0"/>
+                                  </p:stCondLst>
+                                  <p:childTnLst>
+                                    <p:set>
+                                      <p:cBhvr>
+                                        <p:cTn id="21" dur="1" fill="hold">
+                                          <p:stCondLst>
+                                            <p:cond delay="0"/>
+                                          </p:stCondLst>
+                                        </p:cTn>
+                                        <p:tgtEl>
+                                          <p:spTgt spid="8"/>
+                                        </p:tgtEl>
+                                        <p:attrNameLst>
+                                          <p:attrName>style.visibility</p:attrName>
+                                        </p:attrNameLst>
+                                      </p:cBhvr>
+                                      <p:to>
+                                        <p:strVal val="visible"/>
+                                      </p:to>
+                                    </p:set>
+                                    <p:animEffect transition="in" filter="fade">
+                                      <p:cBhvr>
+                                        <p:cTn id="22" dur="500"/>
+                                        <p:tgtEl>
+                                          <p:spTgt spid="8"/>
+                                        </p:tgtEl>
+                                      </p:cBhvr>
+                                    </p:animEffect>
+                                  </p:childTnLst>
+                                </p:cTn>
+                              </p:par>
+                            </p:childTnLst>
+                          </p:cTn>
+                        </p:par>
+                      </p:childTnLst>
+                    </p:cTn>
+                  </p:par>
+                  <p:par>
+                    <p:cTn id="23" fill="hold">
+                      <p:stCondLst>
+                        <p:cond delay="indefinite"/>
+                      </p:stCondLst>
+                      <p:childTnLst>
+                        <p:par>
+                          <p:cTn id="24" fill="hold">
+                            <p:stCondLst>
+                              <p:cond delay="0"/>
+                            </p:stCondLst>
+                            <p:childTnLst>
+                              <p:par>
+                                <p:cTn id="25" presetID="10" presetClass="entr" presetSubtype="0" fill="hold" grpId="0" nodeType="clickEffect">
+                                  <p:stCondLst>
+                                    <p:cond delay="0"/>
+                                  </p:stCondLst>
+                                  <p:childTnLst>
+                                    <p:set>
+                                      <p:cBhvr>
+                                        <p:cTn id="26" dur="1" fill="hold">
+                                          <p:stCondLst>
+                                            <p:cond delay="0"/>
+                                          </p:stCondLst>
+                                        </p:cTn>
+                                        <p:tgtEl>
+                                          <p:spTgt spid="9"/>
+                                        </p:tgtEl>
+                                        <p:attrNameLst>
+                                          <p:attrName>style.visibility</p:attrName>
+                                        </p:attrNameLst>
+                                      </p:cBhvr>
+                                      <p:to>
+                                        <p:strVal val="visible"/>
+                                      </p:to>
+                                    </p:set>
+                                    <p:animEffect transition="in" filter="fade">
+                                      <p:cBhvr>
+                                        <p:cTn id="27" dur="500"/>
+                                        <p:tgtEl>
+                                          <p:spTgt spid="9"/>
+                                        </p:tgtEl>
+                                      </p:cBhvr>
+                                    </p:animEffect>
+                                  </p:childTnLst>
+                                </p:cTn>
+                              </p:par>
+                            </p:childTnLst>
+                          </p:cTn>
+                        </p:par>
+                      </p:childTnLst>
+                    </p:cTn>
+                  </p:par>
+                </p:childTnLst>
+              </p:cTn>
+              <p:prevCondLst>
+                <p:cond evt="onPrev" delay="0">
+                  <p:tgtEl>
+                    <p:sldTgt/>
+                  </p:tgtEl>
+                </p:cond>
+              </p:prevCondLst>
+              <p:nextCondLst>
+                <p:cond evt="onNext" delay="0">
+                  <p:tgtEl>
+                    <p:sldTgt/>
+                  </p:tgtEl>
+                </p:cond>
+              </p:nextCondLst>
+            </p:seq>
+          </p:childTnLst>
+        </p:cTn>
+      </p:par>
+    </p:tnLst>
+    <p:bldLst>
+      <p:bldP spid="5" grpId="0" animBg="1"/>
+      <p:bldP spid="6" grpId="0" animBg="1"/>
+      <p:bldP spid="7" grpId="0" animBg="1"/>
+      <p:bldP spid="8" grpId="0" animBg="1"/>
+      <p:bldP spid="9" grpId="0" animBg="1"/>
+    </p:bldLst>
+  </p:timing>
 </p:sld>
 </file>
 
@@ -2911,7 +3237,7 @@
             <a:avLst/>
           </a:prstGeom>
           <a:solidFill>
-            <a:srgbClr val="00B0F0"/>
+            <a:srgbClr val="0070C0"/>
           </a:solidFill>
           <a:ln>
             <a:noFill/>
@@ -2945,7 +3271,7 @@
                 <a:latin typeface="Malgun Gothic" panose="020B0503020000020004" pitchFamily="34" charset="-127"/>
                 <a:ea typeface="Malgun Gothic" panose="020B0503020000020004" pitchFamily="34" charset="-127"/>
               </a:rPr>
-              <a:t>헬로</a:t>
+              <a:t>애저</a:t>
             </a:r>
             <a:r>
               <a:rPr lang="ko-KR" altLang="en-US" dirty="0">
@@ -2955,15 +3281,110 @@
                 <a:latin typeface="Malgun Gothic" panose="020B0503020000020004" pitchFamily="34" charset="-127"/>
                 <a:ea typeface="Malgun Gothic" panose="020B0503020000020004" pitchFamily="34" charset="-127"/>
               </a:rPr>
-              <a:t> 월드</a:t>
-            </a:r>
-            <a:endParaRPr lang="en-US" dirty="0">
-              <a:solidFill>
-                <a:schemeClr val="bg1"/>
-              </a:solidFill>
-              <a:latin typeface="Malgun Gothic" panose="020B0503020000020004" pitchFamily="34" charset="-127"/>
-              <a:ea typeface="Malgun Gothic" panose="020B0503020000020004" pitchFamily="34" charset="-127"/>
-            </a:endParaRPr>
+              <a:t> </a:t>
+            </a:r>
+            <a:r>
+              <a:rPr lang="en-US" altLang="ko-KR" dirty="0">
+                <a:solidFill>
+                  <a:schemeClr val="bg1"/>
+                </a:solidFill>
+                <a:latin typeface="Malgun Gothic" panose="020B0503020000020004" pitchFamily="34" charset="-127"/>
+                <a:ea typeface="Malgun Gothic" panose="020B0503020000020004" pitchFamily="34" charset="-127"/>
+              </a:rPr>
+              <a:t>Blob </a:t>
+            </a:r>
+            <a:r>
+              <a:rPr lang="ko-KR" altLang="en-US" dirty="0">
+                <a:solidFill>
+                  <a:schemeClr val="bg1"/>
+                </a:solidFill>
+                <a:latin typeface="Malgun Gothic" panose="020B0503020000020004" pitchFamily="34" charset="-127"/>
+                <a:ea typeface="Malgun Gothic" panose="020B0503020000020004" pitchFamily="34" charset="-127"/>
+              </a:rPr>
+              <a:t>저장소 버전 관리 </a:t>
+            </a:r>
+            <a:r>
+              <a:rPr lang="en-US" altLang="ko-KR" dirty="0">
+                <a:solidFill>
+                  <a:schemeClr val="bg1"/>
+                </a:solidFill>
+                <a:latin typeface="Malgun Gothic" panose="020B0503020000020004" pitchFamily="34" charset="-127"/>
+                <a:ea typeface="Malgun Gothic" panose="020B0503020000020004" pitchFamily="34" charset="-127"/>
+              </a:rPr>
+              <a:t>GA</a:t>
+            </a:r>
+          </a:p>
+          <a:p>
+            <a:r>
+              <a:rPr lang="en-US" dirty="0">
+                <a:solidFill>
+                  <a:schemeClr val="bg1"/>
+                </a:solidFill>
+                <a:latin typeface="Malgun Gothic" panose="020B0503020000020004" pitchFamily="34" charset="-127"/>
+                <a:ea typeface="Malgun Gothic" panose="020B0503020000020004" pitchFamily="34" charset="-127"/>
+              </a:rPr>
+              <a:t>	https://</a:t>
+            </a:r>
+            <a:r>
+              <a:rPr lang="en-US" dirty="0" err="1">
+                <a:solidFill>
+                  <a:schemeClr val="bg1"/>
+                </a:solidFill>
+                <a:latin typeface="Malgun Gothic" panose="020B0503020000020004" pitchFamily="34" charset="-127"/>
+                <a:ea typeface="Malgun Gothic" panose="020B0503020000020004" pitchFamily="34" charset="-127"/>
+              </a:rPr>
+              <a:t>aka.ms</a:t>
+            </a:r>
+            <a:r>
+              <a:rPr lang="en-US" dirty="0">
+                <a:solidFill>
+                  <a:schemeClr val="bg1"/>
+                </a:solidFill>
+                <a:latin typeface="Malgun Gothic" panose="020B0503020000020004" pitchFamily="34" charset="-127"/>
+                <a:ea typeface="Malgun Gothic" panose="020B0503020000020004" pitchFamily="34" charset="-127"/>
+              </a:rPr>
+              <a:t>/</a:t>
+            </a:r>
+            <a:r>
+              <a:rPr lang="en-US" dirty="0" err="1">
+                <a:solidFill>
+                  <a:schemeClr val="bg1"/>
+                </a:solidFill>
+                <a:latin typeface="Malgun Gothic" panose="020B0503020000020004" pitchFamily="34" charset="-127"/>
+                <a:ea typeface="Malgun Gothic" panose="020B0503020000020004" pitchFamily="34" charset="-127"/>
+              </a:rPr>
+              <a:t>skug</a:t>
+            </a:r>
+            <a:r>
+              <a:rPr lang="en-US" dirty="0">
+                <a:solidFill>
+                  <a:schemeClr val="bg1"/>
+                </a:solidFill>
+                <a:latin typeface="Malgun Gothic" panose="020B0503020000020004" pitchFamily="34" charset="-127"/>
+                <a:ea typeface="Malgun Gothic" panose="020B0503020000020004" pitchFamily="34" charset="-127"/>
+              </a:rPr>
+              <a:t>/</a:t>
+            </a:r>
+            <a:r>
+              <a:rPr lang="en-US" dirty="0" err="1">
+                <a:solidFill>
+                  <a:schemeClr val="bg1"/>
+                </a:solidFill>
+                <a:latin typeface="Malgun Gothic" panose="020B0503020000020004" pitchFamily="34" charset="-127"/>
+                <a:ea typeface="Malgun Gothic" panose="020B0503020000020004" pitchFamily="34" charset="-127"/>
+              </a:rPr>
+              <a:t>azblob</a:t>
+            </a:r>
+            <a:r>
+              <a:rPr lang="en-US" dirty="0">
+                <a:solidFill>
+                  <a:schemeClr val="bg1"/>
+                </a:solidFill>
+                <a:latin typeface="Malgun Gothic" panose="020B0503020000020004" pitchFamily="34" charset="-127"/>
+                <a:ea typeface="Malgun Gothic" panose="020B0503020000020004" pitchFamily="34" charset="-127"/>
+              </a:rPr>
+              <a:t>-versioning</a:t>
+            </a:r>
           </a:p>
         </p:txBody>
       </p:sp>
@@ -2988,7 +3409,7 @@
             <a:avLst/>
           </a:prstGeom>
           <a:solidFill>
-            <a:srgbClr val="00B0F0"/>
+            <a:srgbClr val="0070C0"/>
           </a:solidFill>
           <a:ln>
             <a:noFill/>
@@ -3022,7 +3443,7 @@
                 <a:latin typeface="Malgun Gothic" panose="020B0503020000020004" pitchFamily="34" charset="-127"/>
                 <a:ea typeface="Malgun Gothic" panose="020B0503020000020004" pitchFamily="34" charset="-127"/>
               </a:rPr>
-              <a:t>헬로</a:t>
+              <a:t>애저</a:t>
             </a:r>
             <a:r>
               <a:rPr lang="ko-KR" altLang="en-US" dirty="0">
@@ -3032,7 +3453,96 @@
                 <a:latin typeface="Malgun Gothic" panose="020B0503020000020004" pitchFamily="34" charset="-127"/>
                 <a:ea typeface="Malgun Gothic" panose="020B0503020000020004" pitchFamily="34" charset="-127"/>
               </a:rPr>
-              <a:t> 월드</a:t>
+              <a:t> </a:t>
+            </a:r>
+            <a:r>
+              <a:rPr lang="en-US" altLang="ko-KR" dirty="0">
+                <a:solidFill>
+                  <a:schemeClr val="bg1"/>
+                </a:solidFill>
+                <a:latin typeface="Malgun Gothic" panose="020B0503020000020004" pitchFamily="34" charset="-127"/>
+                <a:ea typeface="Malgun Gothic" panose="020B0503020000020004" pitchFamily="34" charset="-127"/>
+              </a:rPr>
+              <a:t>Cosmos DB .NET SDK v1 </a:t>
+            </a:r>
+            <a:r>
+              <a:rPr lang="ko-KR" altLang="en-US" dirty="0">
+                <a:solidFill>
+                  <a:schemeClr val="bg1"/>
+                </a:solidFill>
+                <a:latin typeface="Malgun Gothic" panose="020B0503020000020004" pitchFamily="34" charset="-127"/>
+                <a:ea typeface="Malgun Gothic" panose="020B0503020000020004" pitchFamily="34" charset="-127"/>
+              </a:rPr>
+              <a:t>업데이트 기한 연장</a:t>
+            </a:r>
+            <a:endParaRPr lang="en-US" altLang="ko-KR" dirty="0">
+              <a:solidFill>
+                <a:schemeClr val="bg1"/>
+              </a:solidFill>
+              <a:latin typeface="Malgun Gothic" panose="020B0503020000020004" pitchFamily="34" charset="-127"/>
+              <a:ea typeface="Malgun Gothic" panose="020B0503020000020004" pitchFamily="34" charset="-127"/>
+            </a:endParaRPr>
+          </a:p>
+          <a:p>
+            <a:r>
+              <a:rPr lang="en-US" dirty="0">
+                <a:solidFill>
+                  <a:schemeClr val="bg1"/>
+                </a:solidFill>
+                <a:latin typeface="Malgun Gothic" panose="020B0503020000020004" pitchFamily="34" charset="-127"/>
+                <a:ea typeface="Malgun Gothic" panose="020B0503020000020004" pitchFamily="34" charset="-127"/>
+              </a:rPr>
+              <a:t>	https://</a:t>
+            </a:r>
+            <a:r>
+              <a:rPr lang="en-US" dirty="0" err="1">
+                <a:solidFill>
+                  <a:schemeClr val="bg1"/>
+                </a:solidFill>
+                <a:latin typeface="Malgun Gothic" panose="020B0503020000020004" pitchFamily="34" charset="-127"/>
+                <a:ea typeface="Malgun Gothic" panose="020B0503020000020004" pitchFamily="34" charset="-127"/>
+              </a:rPr>
+              <a:t>aka.ms</a:t>
+            </a:r>
+            <a:r>
+              <a:rPr lang="en-US" dirty="0">
+                <a:solidFill>
+                  <a:schemeClr val="bg1"/>
+                </a:solidFill>
+                <a:latin typeface="Malgun Gothic" panose="020B0503020000020004" pitchFamily="34" charset="-127"/>
+                <a:ea typeface="Malgun Gothic" panose="020B0503020000020004" pitchFamily="34" charset="-127"/>
+              </a:rPr>
+              <a:t>/</a:t>
+            </a:r>
+            <a:r>
+              <a:rPr lang="en-US" dirty="0" err="1">
+                <a:solidFill>
+                  <a:schemeClr val="bg1"/>
+                </a:solidFill>
+                <a:latin typeface="Malgun Gothic" panose="020B0503020000020004" pitchFamily="34" charset="-127"/>
+                <a:ea typeface="Malgun Gothic" panose="020B0503020000020004" pitchFamily="34" charset="-127"/>
+              </a:rPr>
+              <a:t>skug</a:t>
+            </a:r>
+            <a:r>
+              <a:rPr lang="en-US" dirty="0">
+                <a:solidFill>
+                  <a:schemeClr val="bg1"/>
+                </a:solidFill>
+                <a:latin typeface="Malgun Gothic" panose="020B0503020000020004" pitchFamily="34" charset="-127"/>
+                <a:ea typeface="Malgun Gothic" panose="020B0503020000020004" pitchFamily="34" charset="-127"/>
+              </a:rPr>
+              <a:t>/</a:t>
+            </a:r>
+            <a:r>
+              <a:rPr lang="en-US" dirty="0" err="1">
+                <a:solidFill>
+                  <a:schemeClr val="bg1"/>
+                </a:solidFill>
+                <a:latin typeface="Malgun Gothic" panose="020B0503020000020004" pitchFamily="34" charset="-127"/>
+                <a:ea typeface="Malgun Gothic" panose="020B0503020000020004" pitchFamily="34" charset="-127"/>
+              </a:rPr>
+              <a:t>cosmosdb-sdk</a:t>
             </a:r>
             <a:endParaRPr lang="en-US" dirty="0">
               <a:solidFill>
@@ -3065,7 +3575,7 @@
             <a:avLst/>
           </a:prstGeom>
           <a:solidFill>
-            <a:srgbClr val="00B0F0"/>
+            <a:srgbClr val="0070C0"/>
           </a:solidFill>
           <a:ln>
             <a:noFill/>
@@ -3099,7 +3609,7 @@
                 <a:latin typeface="Malgun Gothic" panose="020B0503020000020004" pitchFamily="34" charset="-127"/>
                 <a:ea typeface="Malgun Gothic" panose="020B0503020000020004" pitchFamily="34" charset="-127"/>
               </a:rPr>
-              <a:t>헬로</a:t>
+              <a:t>애저</a:t>
             </a:r>
             <a:r>
               <a:rPr lang="ko-KR" altLang="en-US" dirty="0">
@@ -3109,7 +3619,116 @@
                 <a:latin typeface="Malgun Gothic" panose="020B0503020000020004" pitchFamily="34" charset="-127"/>
                 <a:ea typeface="Malgun Gothic" panose="020B0503020000020004" pitchFamily="34" charset="-127"/>
               </a:rPr>
-              <a:t> 월드</a:t>
+              <a:t> </a:t>
+            </a:r>
+            <a:r>
+              <a:rPr lang="en-US" altLang="ko-KR" dirty="0">
+                <a:solidFill>
+                  <a:schemeClr val="bg1"/>
+                </a:solidFill>
+                <a:latin typeface="Malgun Gothic" panose="020B0503020000020004" pitchFamily="34" charset="-127"/>
+                <a:ea typeface="Malgun Gothic" panose="020B0503020000020004" pitchFamily="34" charset="-127"/>
+              </a:rPr>
+              <a:t>Durable </a:t>
+            </a:r>
+            <a:r>
+              <a:rPr lang="ko-KR" altLang="en-US" dirty="0" err="1">
+                <a:solidFill>
+                  <a:schemeClr val="bg1"/>
+                </a:solidFill>
+                <a:latin typeface="Malgun Gothic" panose="020B0503020000020004" pitchFamily="34" charset="-127"/>
+                <a:ea typeface="Malgun Gothic" panose="020B0503020000020004" pitchFamily="34" charset="-127"/>
+              </a:rPr>
+              <a:t>펑션</a:t>
+            </a:r>
+            <a:r>
+              <a:rPr lang="ko-KR" altLang="en-US" dirty="0">
+                <a:solidFill>
+                  <a:schemeClr val="bg1"/>
+                </a:solidFill>
+                <a:latin typeface="Malgun Gothic" panose="020B0503020000020004" pitchFamily="34" charset="-127"/>
+                <a:ea typeface="Malgun Gothic" panose="020B0503020000020004" pitchFamily="34" charset="-127"/>
+              </a:rPr>
+              <a:t> 버전 업데이트 </a:t>
+            </a:r>
+            <a:r>
+              <a:rPr lang="en-US" altLang="ko-KR">
+                <a:solidFill>
+                  <a:schemeClr val="bg1"/>
+                </a:solidFill>
+                <a:latin typeface="Malgun Gothic" panose="020B0503020000020004" pitchFamily="34" charset="-127"/>
+                <a:ea typeface="Malgun Gothic" panose="020B0503020000020004" pitchFamily="34" charset="-127"/>
+              </a:rPr>
+              <a:t>v2.3</a:t>
+            </a:r>
+            <a:endParaRPr lang="en-US" altLang="ko-KR" dirty="0">
+              <a:solidFill>
+                <a:schemeClr val="bg1"/>
+              </a:solidFill>
+              <a:latin typeface="Malgun Gothic" panose="020B0503020000020004" pitchFamily="34" charset="-127"/>
+              <a:ea typeface="Malgun Gothic" panose="020B0503020000020004" pitchFamily="34" charset="-127"/>
+            </a:endParaRPr>
+          </a:p>
+          <a:p>
+            <a:r>
+              <a:rPr lang="en-US" dirty="0">
+                <a:solidFill>
+                  <a:schemeClr val="bg1"/>
+                </a:solidFill>
+                <a:latin typeface="Malgun Gothic" panose="020B0503020000020004" pitchFamily="34" charset="-127"/>
+                <a:ea typeface="Malgun Gothic" panose="020B0503020000020004" pitchFamily="34" charset="-127"/>
+              </a:rPr>
+              <a:t>	https://</a:t>
+            </a:r>
+            <a:r>
+              <a:rPr lang="en-US" dirty="0" err="1">
+                <a:solidFill>
+                  <a:schemeClr val="bg1"/>
+                </a:solidFill>
+                <a:latin typeface="Malgun Gothic" panose="020B0503020000020004" pitchFamily="34" charset="-127"/>
+                <a:ea typeface="Malgun Gothic" panose="020B0503020000020004" pitchFamily="34" charset="-127"/>
+              </a:rPr>
+              <a:t>aka.ms</a:t>
+            </a:r>
+            <a:r>
+              <a:rPr lang="en-US" dirty="0">
+                <a:solidFill>
+                  <a:schemeClr val="bg1"/>
+                </a:solidFill>
+                <a:latin typeface="Malgun Gothic" panose="020B0503020000020004" pitchFamily="34" charset="-127"/>
+                <a:ea typeface="Malgun Gothic" panose="020B0503020000020004" pitchFamily="34" charset="-127"/>
+              </a:rPr>
+              <a:t>/</a:t>
+            </a:r>
+            <a:r>
+              <a:rPr lang="en-US" dirty="0" err="1">
+                <a:solidFill>
+                  <a:schemeClr val="bg1"/>
+                </a:solidFill>
+                <a:latin typeface="Malgun Gothic" panose="020B0503020000020004" pitchFamily="34" charset="-127"/>
+                <a:ea typeface="Malgun Gothic" panose="020B0503020000020004" pitchFamily="34" charset="-127"/>
+              </a:rPr>
+              <a:t>skug</a:t>
+            </a:r>
+            <a:r>
+              <a:rPr lang="en-US" dirty="0">
+                <a:solidFill>
+                  <a:schemeClr val="bg1"/>
+                </a:solidFill>
+                <a:latin typeface="Malgun Gothic" panose="020B0503020000020004" pitchFamily="34" charset="-127"/>
+                <a:ea typeface="Malgun Gothic" panose="020B0503020000020004" pitchFamily="34" charset="-127"/>
+              </a:rPr>
+              <a:t>/</a:t>
+            </a:r>
+            <a:r>
+              <a:rPr lang="en-US" dirty="0" err="1">
+                <a:solidFill>
+                  <a:schemeClr val="bg1"/>
+                </a:solidFill>
+                <a:latin typeface="Malgun Gothic" panose="020B0503020000020004" pitchFamily="34" charset="-127"/>
+                <a:ea typeface="Malgun Gothic" panose="020B0503020000020004" pitchFamily="34" charset="-127"/>
+              </a:rPr>
+              <a:t>azdurablefunction</a:t>
             </a:r>
             <a:endParaRPr lang="en-US" dirty="0">
               <a:solidFill>
@@ -3142,7 +3761,7 @@
             <a:avLst/>
           </a:prstGeom>
           <a:solidFill>
-            <a:srgbClr val="00B0F0"/>
+            <a:srgbClr val="0070C0"/>
           </a:solidFill>
           <a:ln>
             <a:noFill/>
@@ -3176,7 +3795,7 @@
                 <a:latin typeface="Malgun Gothic" panose="020B0503020000020004" pitchFamily="34" charset="-127"/>
                 <a:ea typeface="Malgun Gothic" panose="020B0503020000020004" pitchFamily="34" charset="-127"/>
               </a:rPr>
-              <a:t>헬로</a:t>
+              <a:t>애저</a:t>
             </a:r>
             <a:r>
               <a:rPr lang="ko-KR" altLang="en-US" dirty="0">
@@ -3186,7 +3805,119 @@
                 <a:latin typeface="Malgun Gothic" panose="020B0503020000020004" pitchFamily="34" charset="-127"/>
                 <a:ea typeface="Malgun Gothic" panose="020B0503020000020004" pitchFamily="34" charset="-127"/>
               </a:rPr>
-              <a:t> 월드</a:t>
+              <a:t> 비용 관리 서비스에서 </a:t>
+            </a:r>
+            <a:r>
+              <a:rPr lang="en-US" altLang="ko-KR" dirty="0">
+                <a:solidFill>
+                  <a:schemeClr val="bg1"/>
+                </a:solidFill>
+                <a:latin typeface="Malgun Gothic" panose="020B0503020000020004" pitchFamily="34" charset="-127"/>
+                <a:ea typeface="Malgun Gothic" panose="020B0503020000020004" pitchFamily="34" charset="-127"/>
+              </a:rPr>
+              <a:t>AWS </a:t>
+            </a:r>
+            <a:r>
+              <a:rPr lang="ko-KR" altLang="en-US" dirty="0">
+                <a:solidFill>
+                  <a:schemeClr val="bg1"/>
+                </a:solidFill>
+                <a:latin typeface="Malgun Gothic" panose="020B0503020000020004" pitchFamily="34" charset="-127"/>
+                <a:ea typeface="Malgun Gothic" panose="020B0503020000020004" pitchFamily="34" charset="-127"/>
+              </a:rPr>
+              <a:t>비용 관리 통합 대시보드 사용 기능 </a:t>
+            </a:r>
+            <a:r>
+              <a:rPr lang="en-US" altLang="ko-KR" dirty="0">
+                <a:solidFill>
+                  <a:schemeClr val="bg1"/>
+                </a:solidFill>
+                <a:latin typeface="Malgun Gothic" panose="020B0503020000020004" pitchFamily="34" charset="-127"/>
+                <a:ea typeface="Malgun Gothic" panose="020B0503020000020004" pitchFamily="34" charset="-127"/>
+              </a:rPr>
+              <a:t>GA</a:t>
+            </a:r>
+          </a:p>
+          <a:p>
+            <a:r>
+              <a:rPr lang="en-US" dirty="0">
+                <a:solidFill>
+                  <a:schemeClr val="bg1"/>
+                </a:solidFill>
+                <a:latin typeface="Malgun Gothic" panose="020B0503020000020004" pitchFamily="34" charset="-127"/>
+                <a:ea typeface="Malgun Gothic" panose="020B0503020000020004" pitchFamily="34" charset="-127"/>
+              </a:rPr>
+              <a:t>	https://</a:t>
+            </a:r>
+            <a:r>
+              <a:rPr lang="en-US" dirty="0" err="1">
+                <a:solidFill>
+                  <a:schemeClr val="bg1"/>
+                </a:solidFill>
+                <a:latin typeface="Malgun Gothic" panose="020B0503020000020004" pitchFamily="34" charset="-127"/>
+                <a:ea typeface="Malgun Gothic" panose="020B0503020000020004" pitchFamily="34" charset="-127"/>
+              </a:rPr>
+              <a:t>aka.ms</a:t>
+            </a:r>
+            <a:r>
+              <a:rPr lang="en-US" dirty="0">
+                <a:solidFill>
+                  <a:schemeClr val="bg1"/>
+                </a:solidFill>
+                <a:latin typeface="Malgun Gothic" panose="020B0503020000020004" pitchFamily="34" charset="-127"/>
+                <a:ea typeface="Malgun Gothic" panose="020B0503020000020004" pitchFamily="34" charset="-127"/>
+              </a:rPr>
+              <a:t>/</a:t>
+            </a:r>
+            <a:r>
+              <a:rPr lang="en-US" dirty="0" err="1">
+                <a:solidFill>
+                  <a:schemeClr val="bg1"/>
+                </a:solidFill>
+                <a:latin typeface="Malgun Gothic" panose="020B0503020000020004" pitchFamily="34" charset="-127"/>
+                <a:ea typeface="Malgun Gothic" panose="020B0503020000020004" pitchFamily="34" charset="-127"/>
+              </a:rPr>
+              <a:t>skug</a:t>
+            </a:r>
+            <a:r>
+              <a:rPr lang="en-US" dirty="0">
+                <a:solidFill>
+                  <a:schemeClr val="bg1"/>
+                </a:solidFill>
+                <a:latin typeface="Malgun Gothic" panose="020B0503020000020004" pitchFamily="34" charset="-127"/>
+                <a:ea typeface="Malgun Gothic" panose="020B0503020000020004" pitchFamily="34" charset="-127"/>
+              </a:rPr>
+              <a:t>/</a:t>
+            </a:r>
+            <a:r>
+              <a:rPr lang="en-US" dirty="0" err="1">
+                <a:solidFill>
+                  <a:schemeClr val="bg1"/>
+                </a:solidFill>
+                <a:latin typeface="Malgun Gothic" panose="020B0503020000020004" pitchFamily="34" charset="-127"/>
+                <a:ea typeface="Malgun Gothic" panose="020B0503020000020004" pitchFamily="34" charset="-127"/>
+              </a:rPr>
+              <a:t>azcostmgmt</a:t>
+            </a:r>
+            <a:r>
+              <a:rPr lang="en-US" dirty="0">
+                <a:solidFill>
+                  <a:schemeClr val="bg1"/>
+                </a:solidFill>
+                <a:latin typeface="Malgun Gothic" panose="020B0503020000020004" pitchFamily="34" charset="-127"/>
+                <a:ea typeface="Malgun Gothic" panose="020B0503020000020004" pitchFamily="34" charset="-127"/>
+              </a:rPr>
+              <a:t>-for-</a:t>
+            </a:r>
+            <a:r>
+              <a:rPr lang="en-US" dirty="0" err="1">
+                <a:solidFill>
+                  <a:schemeClr val="bg1"/>
+                </a:solidFill>
+                <a:latin typeface="Malgun Gothic" panose="020B0503020000020004" pitchFamily="34" charset="-127"/>
+                <a:ea typeface="Malgun Gothic" panose="020B0503020000020004" pitchFamily="34" charset="-127"/>
+              </a:rPr>
+              <a:t>aws</a:t>
             </a:r>
             <a:endParaRPr lang="en-US" dirty="0">
               <a:solidFill>
@@ -3219,7 +3950,7 @@
             <a:avLst/>
           </a:prstGeom>
           <a:solidFill>
-            <a:srgbClr val="00B0F0"/>
+            <a:srgbClr val="0070C0"/>
           </a:solidFill>
           <a:ln>
             <a:noFill/>
@@ -3253,7 +3984,7 @@
                 <a:latin typeface="Malgun Gothic" panose="020B0503020000020004" pitchFamily="34" charset="-127"/>
                 <a:ea typeface="Malgun Gothic" panose="020B0503020000020004" pitchFamily="34" charset="-127"/>
               </a:rPr>
-              <a:t>헬로</a:t>
+              <a:t>애저</a:t>
             </a:r>
             <a:r>
               <a:rPr lang="ko-KR" altLang="en-US" dirty="0">
@@ -3263,7 +3994,86 @@
                 <a:latin typeface="Malgun Gothic" panose="020B0503020000020004" pitchFamily="34" charset="-127"/>
                 <a:ea typeface="Malgun Gothic" panose="020B0503020000020004" pitchFamily="34" charset="-127"/>
               </a:rPr>
-              <a:t> 월드</a:t>
+              <a:t> </a:t>
+            </a:r>
+            <a:r>
+              <a:rPr lang="en-US" altLang="ko-KR" dirty="0">
+                <a:solidFill>
+                  <a:schemeClr val="bg1"/>
+                </a:solidFill>
+                <a:latin typeface="Malgun Gothic" panose="020B0503020000020004" pitchFamily="34" charset="-127"/>
+                <a:ea typeface="Malgun Gothic" panose="020B0503020000020004" pitchFamily="34" charset="-127"/>
+              </a:rPr>
+              <a:t>Form Recognizer: OCR </a:t>
+            </a:r>
+            <a:r>
+              <a:rPr lang="ko-KR" altLang="en-US" dirty="0">
+                <a:solidFill>
+                  <a:schemeClr val="bg1"/>
+                </a:solidFill>
+                <a:latin typeface="Malgun Gothic" panose="020B0503020000020004" pitchFamily="34" charset="-127"/>
+                <a:ea typeface="Malgun Gothic" panose="020B0503020000020004" pitchFamily="34" charset="-127"/>
+              </a:rPr>
+              <a:t>기능</a:t>
+            </a:r>
+            <a:endParaRPr lang="en-AU" altLang="ko-KR" dirty="0">
+              <a:solidFill>
+                <a:schemeClr val="bg1"/>
+              </a:solidFill>
+              <a:latin typeface="Malgun Gothic" panose="020B0503020000020004" pitchFamily="34" charset="-127"/>
+              <a:ea typeface="Malgun Gothic" panose="020B0503020000020004" pitchFamily="34" charset="-127"/>
+            </a:endParaRPr>
+          </a:p>
+          <a:p>
+            <a:r>
+              <a:rPr lang="en-AU" dirty="0">
+                <a:solidFill>
+                  <a:schemeClr val="bg1"/>
+                </a:solidFill>
+                <a:latin typeface="Malgun Gothic" panose="020B0503020000020004" pitchFamily="34" charset="-127"/>
+                <a:ea typeface="Malgun Gothic" panose="020B0503020000020004" pitchFamily="34" charset="-127"/>
+              </a:rPr>
+              <a:t>	https://</a:t>
+            </a:r>
+            <a:r>
+              <a:rPr lang="en-AU" dirty="0" err="1">
+                <a:solidFill>
+                  <a:schemeClr val="bg1"/>
+                </a:solidFill>
+                <a:latin typeface="Malgun Gothic" panose="020B0503020000020004" pitchFamily="34" charset="-127"/>
+                <a:ea typeface="Malgun Gothic" panose="020B0503020000020004" pitchFamily="34" charset="-127"/>
+              </a:rPr>
+              <a:t>aka.ms</a:t>
+            </a:r>
+            <a:r>
+              <a:rPr lang="en-AU" dirty="0">
+                <a:solidFill>
+                  <a:schemeClr val="bg1"/>
+                </a:solidFill>
+                <a:latin typeface="Malgun Gothic" panose="020B0503020000020004" pitchFamily="34" charset="-127"/>
+                <a:ea typeface="Malgun Gothic" panose="020B0503020000020004" pitchFamily="34" charset="-127"/>
+              </a:rPr>
+              <a:t>/</a:t>
+            </a:r>
+            <a:r>
+              <a:rPr lang="en-AU" dirty="0" err="1">
+                <a:solidFill>
+                  <a:schemeClr val="bg1"/>
+                </a:solidFill>
+                <a:latin typeface="Malgun Gothic" panose="020B0503020000020004" pitchFamily="34" charset="-127"/>
+                <a:ea typeface="Malgun Gothic" panose="020B0503020000020004" pitchFamily="34" charset="-127"/>
+              </a:rPr>
+              <a:t>skug</a:t>
+            </a:r>
+            <a:r>
+              <a:rPr lang="en-AU" dirty="0">
+                <a:solidFill>
+                  <a:schemeClr val="bg1"/>
+                </a:solidFill>
+                <a:latin typeface="Malgun Gothic" panose="020B0503020000020004" pitchFamily="34" charset="-127"/>
+                <a:ea typeface="Malgun Gothic" panose="020B0503020000020004" pitchFamily="34" charset="-127"/>
+              </a:rPr>
+              <a:t>/form-recognizer</a:t>
             </a:r>
             <a:endParaRPr lang="en-US" dirty="0">
               <a:solidFill>
@@ -3285,6 +4095,320 @@
   <p:clrMapOvr>
     <a:masterClrMapping/>
   </p:clrMapOvr>
+  <mc:AlternateContent xmlns:mc="http://schemas.openxmlformats.org/markup-compatibility/2006">
+    <mc:Choice xmlns:p14="http://schemas.microsoft.com/office/powerpoint/2010/main" Requires="p14">
+      <p:transition spd="med" p14:dur="700">
+        <p:fade/>
+      </p:transition>
+    </mc:Choice>
+    <mc:Fallback>
+      <p:transition spd="med">
+        <p:fade/>
+      </p:transition>
+    </mc:Fallback>
+  </mc:AlternateContent>
+  <p:timing>
+    <p:tnLst>
+      <p:par>
+        <p:cTn id="1" dur="indefinite" restart="never" nodeType="tmRoot">
+          <p:childTnLst>
+            <p:seq concurrent="1" nextAc="seek">
+              <p:cTn id="2" dur="indefinite" nodeType="mainSeq">
+                <p:childTnLst>
+                  <p:par>
+                    <p:cTn id="3" fill="hold">
+                      <p:stCondLst>
+                        <p:cond delay="indefinite"/>
+                      </p:stCondLst>
+                      <p:childTnLst>
+                        <p:par>
+                          <p:cTn id="4" fill="hold">
+                            <p:stCondLst>
+                              <p:cond delay="0"/>
+                            </p:stCondLst>
+                            <p:childTnLst>
+                              <p:par>
+                                <p:cTn id="5" presetID="10" presetClass="entr" presetSubtype="0" fill="hold" grpId="0" nodeType="clickEffect">
+                                  <p:stCondLst>
+                                    <p:cond delay="0"/>
+                                  </p:stCondLst>
+                                  <p:childTnLst>
+                                    <p:set>
+                                      <p:cBhvr>
+                                        <p:cTn id="6" dur="1" fill="hold">
+                                          <p:stCondLst>
+                                            <p:cond delay="0"/>
+                                          </p:stCondLst>
+                                        </p:cTn>
+                                        <p:tgtEl>
+                                          <p:spTgt spid="3"/>
+                                        </p:tgtEl>
+                                        <p:attrNameLst>
+                                          <p:attrName>style.visibility</p:attrName>
+                                        </p:attrNameLst>
+                                      </p:cBhvr>
+                                      <p:to>
+                                        <p:strVal val="visible"/>
+                                      </p:to>
+                                    </p:set>
+                                    <p:animEffect transition="in" filter="fade">
+                                      <p:cBhvr>
+                                        <p:cTn id="7" dur="500"/>
+                                        <p:tgtEl>
+                                          <p:spTgt spid="3"/>
+                                        </p:tgtEl>
+                                      </p:cBhvr>
+                                    </p:animEffect>
+                                  </p:childTnLst>
+                                </p:cTn>
+                              </p:par>
+                            </p:childTnLst>
+                          </p:cTn>
+                        </p:par>
+                      </p:childTnLst>
+                    </p:cTn>
+                  </p:par>
+                  <p:par>
+                    <p:cTn id="8" fill="hold">
+                      <p:stCondLst>
+                        <p:cond delay="indefinite"/>
+                      </p:stCondLst>
+                      <p:childTnLst>
+                        <p:par>
+                          <p:cTn id="9" fill="hold">
+                            <p:stCondLst>
+                              <p:cond delay="0"/>
+                            </p:stCondLst>
+                            <p:childTnLst>
+                              <p:par>
+                                <p:cTn id="10" presetID="10" presetClass="entr" presetSubtype="0" fill="hold" grpId="0" nodeType="clickEffect">
+                                  <p:stCondLst>
+                                    <p:cond delay="0"/>
+                                  </p:stCondLst>
+                                  <p:childTnLst>
+                                    <p:set>
+                                      <p:cBhvr>
+                                        <p:cTn id="11" dur="1" fill="hold">
+                                          <p:stCondLst>
+                                            <p:cond delay="0"/>
+                                          </p:stCondLst>
+                                        </p:cTn>
+                                        <p:tgtEl>
+                                          <p:spTgt spid="4"/>
+                                        </p:tgtEl>
+                                        <p:attrNameLst>
+                                          <p:attrName>style.visibility</p:attrName>
+                                        </p:attrNameLst>
+                                      </p:cBhvr>
+                                      <p:to>
+                                        <p:strVal val="visible"/>
+                                      </p:to>
+                                    </p:set>
+                                    <p:animEffect transition="in" filter="fade">
+                                      <p:cBhvr>
+                                        <p:cTn id="12" dur="500"/>
+                                        <p:tgtEl>
+                                          <p:spTgt spid="4"/>
+                                        </p:tgtEl>
+                                      </p:cBhvr>
+                                    </p:animEffect>
+                                  </p:childTnLst>
+                                </p:cTn>
+                              </p:par>
+                            </p:childTnLst>
+                          </p:cTn>
+                        </p:par>
+                      </p:childTnLst>
+                    </p:cTn>
+                  </p:par>
+                  <p:par>
+                    <p:cTn id="13" fill="hold">
+                      <p:stCondLst>
+                        <p:cond delay="indefinite"/>
+                      </p:stCondLst>
+                      <p:childTnLst>
+                        <p:par>
+                          <p:cTn id="14" fill="hold">
+                            <p:stCondLst>
+                              <p:cond delay="0"/>
+                            </p:stCondLst>
+                            <p:childTnLst>
+                              <p:par>
+                                <p:cTn id="15" presetID="10" presetClass="entr" presetSubtype="0" fill="hold" grpId="0" nodeType="clickEffect">
+                                  <p:stCondLst>
+                                    <p:cond delay="0"/>
+                                  </p:stCondLst>
+                                  <p:childTnLst>
+                                    <p:set>
+                                      <p:cBhvr>
+                                        <p:cTn id="16" dur="1" fill="hold">
+                                          <p:stCondLst>
+                                            <p:cond delay="0"/>
+                                          </p:stCondLst>
+                                        </p:cTn>
+                                        <p:tgtEl>
+                                          <p:spTgt spid="5"/>
+                                        </p:tgtEl>
+                                        <p:attrNameLst>
+                                          <p:attrName>style.visibility</p:attrName>
+                                        </p:attrNameLst>
+                                      </p:cBhvr>
+                                      <p:to>
+                                        <p:strVal val="visible"/>
+                                      </p:to>
+                                    </p:set>
+                                    <p:animEffect transition="in" filter="fade">
+                                      <p:cBhvr>
+                                        <p:cTn id="17" dur="500"/>
+                                        <p:tgtEl>
+                                          <p:spTgt spid="5"/>
+                                        </p:tgtEl>
+                                      </p:cBhvr>
+                                    </p:animEffect>
+                                  </p:childTnLst>
+                                </p:cTn>
+                              </p:par>
+                            </p:childTnLst>
+                          </p:cTn>
+                        </p:par>
+                      </p:childTnLst>
+                    </p:cTn>
+                  </p:par>
+                  <p:par>
+                    <p:cTn id="18" fill="hold">
+                      <p:stCondLst>
+                        <p:cond delay="indefinite"/>
+                      </p:stCondLst>
+                      <p:childTnLst>
+                        <p:par>
+                          <p:cTn id="19" fill="hold">
+                            <p:stCondLst>
+                              <p:cond delay="0"/>
+                            </p:stCondLst>
+                            <p:childTnLst>
+                              <p:par>
+                                <p:cTn id="20" presetID="10" presetClass="entr" presetSubtype="0" fill="hold" grpId="0" nodeType="clickEffect">
+                                  <p:stCondLst>
+                                    <p:cond delay="0"/>
+                                  </p:stCondLst>
+                                  <p:childTnLst>
+                                    <p:set>
+                                      <p:cBhvr>
+                                        <p:cTn id="21" dur="1" fill="hold">
+                                          <p:stCondLst>
+                                            <p:cond delay="0"/>
+                                          </p:stCondLst>
+                                        </p:cTn>
+                                        <p:tgtEl>
+                                          <p:spTgt spid="6"/>
+                                        </p:tgtEl>
+                                        <p:attrNameLst>
+                                          <p:attrName>style.visibility</p:attrName>
+                                        </p:attrNameLst>
+                                      </p:cBhvr>
+                                      <p:to>
+                                        <p:strVal val="visible"/>
+                                      </p:to>
+                                    </p:set>
+                                    <p:animEffect transition="in" filter="fade">
+                                      <p:cBhvr>
+                                        <p:cTn id="22" dur="500"/>
+                                        <p:tgtEl>
+                                          <p:spTgt spid="6"/>
+                                        </p:tgtEl>
+                                      </p:cBhvr>
+                                    </p:animEffect>
+                                  </p:childTnLst>
+                                </p:cTn>
+                              </p:par>
+                            </p:childTnLst>
+                          </p:cTn>
+                        </p:par>
+                      </p:childTnLst>
+                    </p:cTn>
+                  </p:par>
+                  <p:par>
+                    <p:cTn id="23" fill="hold">
+                      <p:stCondLst>
+                        <p:cond delay="indefinite"/>
+                      </p:stCondLst>
+                      <p:childTnLst>
+                        <p:par>
+                          <p:cTn id="24" fill="hold">
+                            <p:stCondLst>
+                              <p:cond delay="0"/>
+                            </p:stCondLst>
+                            <p:childTnLst>
+                              <p:par>
+                                <p:cTn id="25" presetID="10" presetClass="entr" presetSubtype="0" fill="hold" grpId="0" nodeType="clickEffect">
+                                  <p:stCondLst>
+                                    <p:cond delay="0"/>
+                                  </p:stCondLst>
+                                  <p:childTnLst>
+                                    <p:set>
+                                      <p:cBhvr>
+                                        <p:cTn id="26" dur="1" fill="hold">
+                                          <p:stCondLst>
+                                            <p:cond delay="0"/>
+                                          </p:stCondLst>
+                                        </p:cTn>
+                                        <p:tgtEl>
+                                          <p:spTgt spid="7"/>
+                                        </p:tgtEl>
+                                        <p:attrNameLst>
+                                          <p:attrName>style.visibility</p:attrName>
+                                        </p:attrNameLst>
+                                      </p:cBhvr>
+                                      <p:to>
+                                        <p:strVal val="visible"/>
+                                      </p:to>
+                                    </p:set>
+                                    <p:animEffect transition="in" filter="fade">
+                                      <p:cBhvr>
+                                        <p:cTn id="27" dur="500"/>
+                                        <p:tgtEl>
+                                          <p:spTgt spid="7"/>
+                                        </p:tgtEl>
+                                      </p:cBhvr>
+                                    </p:animEffect>
+                                  </p:childTnLst>
+                                </p:cTn>
+                              </p:par>
+                            </p:childTnLst>
+                          </p:cTn>
+                        </p:par>
+                      </p:childTnLst>
+                    </p:cTn>
+                  </p:par>
+                </p:childTnLst>
+              </p:cTn>
+              <p:prevCondLst>
+                <p:cond evt="onPrev" delay="0">
+                  <p:tgtEl>
+                    <p:sldTgt/>
+                  </p:tgtEl>
+                </p:cond>
+              </p:prevCondLst>
+              <p:nextCondLst>
+                <p:cond evt="onNext" delay="0">
+                  <p:tgtEl>
+                    <p:sldTgt/>
+                  </p:tgtEl>
+                </p:cond>
+              </p:nextCondLst>
+            </p:seq>
+          </p:childTnLst>
+        </p:cTn>
+      </p:par>
+    </p:tnLst>
+    <p:bldLst>
+      <p:bldP spid="3" grpId="0" animBg="1"/>
+      <p:bldP spid="4" grpId="0" animBg="1"/>
+      <p:bldP spid="5" grpId="0" animBg="1"/>
+      <p:bldP spid="6" grpId="0" animBg="1"/>
+      <p:bldP spid="7" grpId="0" animBg="1"/>
+    </p:bldLst>
+  </p:timing>
 </p:sld>
 </file>
 
@@ -3418,6 +4542,18 @@
   <p:clrMapOvr>
     <a:masterClrMapping/>
   </p:clrMapOvr>
+  <mc:AlternateContent xmlns:mc="http://schemas.openxmlformats.org/markup-compatibility/2006">
+    <mc:Choice xmlns:p14="http://schemas.microsoft.com/office/powerpoint/2010/main" Requires="p14">
+      <p:transition spd="med" p14:dur="700">
+        <p:fade/>
+      </p:transition>
+    </mc:Choice>
+    <mc:Fallback>
+      <p:transition spd="med">
+        <p:fade/>
+      </p:transition>
+    </mc:Fallback>
+  </mc:AlternateContent>
 </p:sld>
 </file>
 
@@ -3478,6 +4614,18 @@
   <p:clrMapOvr>
     <a:masterClrMapping/>
   </p:clrMapOvr>
+  <mc:AlternateContent xmlns:mc="http://schemas.openxmlformats.org/markup-compatibility/2006">
+    <mc:Choice xmlns:p14="http://schemas.microsoft.com/office/powerpoint/2010/main" Requires="p14">
+      <p:transition spd="med" p14:dur="700">
+        <p:fade/>
+      </p:transition>
+    </mc:Choice>
+    <mc:Fallback>
+      <p:transition spd="med">
+        <p:fade/>
+      </p:transition>
+    </mc:Fallback>
+  </mc:AlternateContent>
 </p:sld>
 </file>
 
@@ -3538,6 +4686,18 @@
   <p:clrMapOvr>
     <a:masterClrMapping/>
   </p:clrMapOvr>
+  <mc:AlternateContent xmlns:mc="http://schemas.openxmlformats.org/markup-compatibility/2006">
+    <mc:Choice xmlns:p14="http://schemas.microsoft.com/office/powerpoint/2010/main" Requires="p14">
+      <p:transition spd="med" p14:dur="700">
+        <p:fade/>
+      </p:transition>
+    </mc:Choice>
+    <mc:Fallback>
+      <p:transition spd="med">
+        <p:fade/>
+      </p:transition>
+    </mc:Fallback>
+  </mc:AlternateContent>
 </p:sld>
 </file>
 
